--- a/Intro to Azure Functions.pptx
+++ b/Intro to Azure Functions.pptx
@@ -5,10 +5,10 @@
     <p:sldMasterId id="2147483763" r:id="rId4"/>
   </p:sldMasterIdLst>
   <p:notesMasterIdLst>
-    <p:notesMasterId r:id="rId18"/>
+    <p:notesMasterId r:id="rId19"/>
   </p:notesMasterIdLst>
   <p:handoutMasterIdLst>
-    <p:handoutMasterId r:id="rId19"/>
+    <p:handoutMasterId r:id="rId20"/>
   </p:handoutMasterIdLst>
   <p:sldIdLst>
     <p:sldId id="256" r:id="rId5"/>
@@ -23,7 +23,8 @@
     <p:sldId id="265" r:id="rId14"/>
     <p:sldId id="268" r:id="rId15"/>
     <p:sldId id="269" r:id="rId16"/>
-    <p:sldId id="270" r:id="rId17"/>
+    <p:sldId id="271" r:id="rId17"/>
+    <p:sldId id="270" r:id="rId18"/>
   </p:sldIdLst>
   <p:sldSz cx="12188825" cy="6858000"/>
   <p:notesSz cx="6858000" cy="9144000"/>
@@ -19509,14 +19510,23 @@
         </p:spPr>
         <p:txBody>
           <a:bodyPr>
-            <a:normAutofit fontScale="90000"/>
+            <a:noAutofit/>
           </a:bodyPr>
           <a:lstStyle/>
           <a:p>
             <a:r>
-              <a:rPr lang="en-US" sz="13800" dirty="0"/>
-              <a:t>DEMOS</a:t>
+              <a:rPr lang="en-US" sz="8000" dirty="0">
+                <a:solidFill>
+                  <a:schemeClr val="bg2"/>
+                </a:solidFill>
+              </a:rPr>
+              <a:t>http://bit.ly/itaf-code</a:t>
             </a:r>
+            <a:endParaRPr lang="en-US" sz="11500" dirty="0">
+              <a:solidFill>
+                <a:schemeClr val="bg2"/>
+              </a:solidFill>
+            </a:endParaRPr>
           </a:p>
         </p:txBody>
       </p:sp>
@@ -19570,6 +19580,107 @@
 </file>
 
 <file path=ppt/slides/slide13.xml><?xml version="1.0" encoding="utf-8"?>
+<p:sld xmlns:a="http://schemas.openxmlformats.org/drawingml/2006/main" xmlns:r="http://schemas.openxmlformats.org/officeDocument/2006/relationships" xmlns:p="http://schemas.openxmlformats.org/presentationml/2006/main">
+  <p:cSld>
+    <p:spTree>
+      <p:nvGrpSpPr>
+        <p:cNvPr id="1" name=""/>
+        <p:cNvGrpSpPr/>
+        <p:nvPr/>
+      </p:nvGrpSpPr>
+      <p:grpSpPr>
+        <a:xfrm>
+          <a:off x="0" y="0"/>
+          <a:ext cx="0" cy="0"/>
+          <a:chOff x="0" y="0"/>
+          <a:chExt cx="0" cy="0"/>
+        </a:xfrm>
+      </p:grpSpPr>
+      <p:sp>
+        <p:nvSpPr>
+          <p:cNvPr id="12" name="Title 11">
+            <a:extLst>
+              <a:ext uri="{FF2B5EF4-FFF2-40B4-BE49-F238E27FC236}">
+                <a16:creationId xmlns:a16="http://schemas.microsoft.com/office/drawing/2014/main" id="{6AB744CD-F9D5-4392-AE05-698759613D5B}"/>
+              </a:ext>
+            </a:extLst>
+          </p:cNvPr>
+          <p:cNvSpPr>
+            <a:spLocks noGrp="1"/>
+          </p:cNvSpPr>
+          <p:nvPr>
+            <p:ph type="title"/>
+          </p:nvPr>
+        </p:nvSpPr>
+        <p:spPr>
+          <a:xfrm>
+            <a:off x="577365" y="2420074"/>
+            <a:ext cx="11034094" cy="2017853"/>
+          </a:xfrm>
+        </p:spPr>
+        <p:txBody>
+          <a:bodyPr>
+            <a:normAutofit fontScale="90000"/>
+          </a:bodyPr>
+          <a:lstStyle/>
+          <a:p>
+            <a:r>
+              <a:rPr lang="en-US" sz="13800" dirty="0"/>
+              <a:t>DEMOS</a:t>
+            </a:r>
+          </a:p>
+        </p:txBody>
+      </p:sp>
+      <p:sp>
+        <p:nvSpPr>
+          <p:cNvPr id="6" name="Slide Number Placeholder 5">
+            <a:extLst>
+              <a:ext uri="{FF2B5EF4-FFF2-40B4-BE49-F238E27FC236}">
+                <a16:creationId xmlns:a16="http://schemas.microsoft.com/office/drawing/2014/main" id="{5BC63866-8D74-484D-8232-8FAA51F828DE}"/>
+              </a:ext>
+            </a:extLst>
+          </p:cNvPr>
+          <p:cNvSpPr>
+            <a:spLocks noGrp="1"/>
+          </p:cNvSpPr>
+          <p:nvPr>
+            <p:ph type="sldNum" sz="quarter" idx="4294967295"/>
+          </p:nvPr>
+        </p:nvSpPr>
+        <p:spPr>
+          <a:xfrm>
+            <a:off x="0" y="6356350"/>
+            <a:ext cx="769938" cy="365125"/>
+          </a:xfrm>
+        </p:spPr>
+        <p:txBody>
+          <a:bodyPr/>
+          <a:lstStyle/>
+          <a:p>
+            <a:pPr algn="l"/>
+            <a:fld id="{ABCABC6B-F667-1540-8370-D056DC2C0FCE}" type="slidenum">
+              <a:rPr lang="en-US" smtClean="0"/>
+              <a:pPr algn="l"/>
+              <a:t>13</a:t>
+            </a:fld>
+            <a:endParaRPr lang="en-US" dirty="0"/>
+          </a:p>
+        </p:txBody>
+      </p:sp>
+    </p:spTree>
+    <p:extLst>
+      <p:ext uri="{BB962C8B-B14F-4D97-AF65-F5344CB8AC3E}">
+        <p14:creationId xmlns:p14="http://schemas.microsoft.com/office/powerpoint/2010/main" val="2254432283"/>
+      </p:ext>
+    </p:extLst>
+  </p:cSld>
+  <p:clrMapOvr>
+    <a:masterClrMapping/>
+  </p:clrMapOvr>
+</p:sld>
+</file>
+
+<file path=ppt/slides/slide14.xml><?xml version="1.0" encoding="utf-8"?>
 <p:sld xmlns:a="http://schemas.openxmlformats.org/drawingml/2006/main" xmlns:r="http://schemas.openxmlformats.org/officeDocument/2006/relationships" xmlns:p="http://schemas.openxmlformats.org/presentationml/2006/main">
   <p:cSld>
     <p:spTree>
@@ -19658,19 +19769,12 @@
               <a:rPr lang="en-US" sz="3200" dirty="0">
                 <a:hlinkClick r:id="rId4"/>
               </a:rPr>
-              <a:t>http://bit.ly</a:t>
+              <a:t>http://bit.ly/itaf-azure</a:t>
             </a:r>
             <a:r>
-              <a:rPr lang="en-US" sz="3200">
-                <a:hlinkClick r:id="rId4"/>
-              </a:rPr>
-              <a:t>/itaf-azure</a:t>
-            </a:r>
-            <a:r>
-              <a:rPr lang="en-US" sz="3200"/>
+              <a:rPr lang="en-US" sz="3200" dirty="0"/>
               <a:t> </a:t>
             </a:r>
-            <a:endParaRPr lang="en-US" sz="3200" dirty="0"/>
           </a:p>
         </p:txBody>
       </p:sp>
@@ -22037,12 +22141,9 @@
 </file>
 
 <file path=customXml/item1.xml><?xml version="1.0" encoding="utf-8"?>
-<?mso-contentType ?>
-<FormTemplates xmlns="http://schemas.microsoft.com/sharepoint/v3/contenttype/forms">
-  <Display>DocumentLibraryForm</Display>
-  <Edit>DocumentLibraryForm</Edit>
-  <New>DocumentLibraryForm</New>
-</FormTemplates>
+<p:properties xmlns:p="http://schemas.microsoft.com/office/2006/metadata/properties" xmlns:xsi="http://www.w3.org/2001/XMLSchema-instance" xmlns:pc="http://schemas.microsoft.com/office/infopath/2007/PartnerControls">
+  <documentManagement/>
+</p:properties>
 </file>
 
 <file path=customXml/item2.xml><?xml version="1.0" encoding="utf-8"?>
@@ -22194,15 +22295,26 @@
 </file>
 
 <file path=customXml/item3.xml><?xml version="1.0" encoding="utf-8"?>
-<p:properties xmlns:p="http://schemas.microsoft.com/office/2006/metadata/properties" xmlns:xsi="http://www.w3.org/2001/XMLSchema-instance" xmlns:pc="http://schemas.microsoft.com/office/infopath/2007/PartnerControls">
-  <documentManagement/>
-</p:properties>
+<?mso-contentType ?>
+<FormTemplates xmlns="http://schemas.microsoft.com/sharepoint/v3/contenttype/forms">
+  <Display>DocumentLibraryForm</Display>
+  <Edit>DocumentLibraryForm</Edit>
+  <New>DocumentLibraryForm</New>
+</FormTemplates>
 </file>
 
 <file path=customXml/itemProps1.xml><?xml version="1.0" encoding="utf-8"?>
-<ds:datastoreItem xmlns:ds="http://schemas.openxmlformats.org/officeDocument/2006/customXml" ds:itemID="{C95FFCEC-4E62-42A1-B0E9-43C57BCD9CFD}">
+<ds:datastoreItem xmlns:ds="http://schemas.openxmlformats.org/officeDocument/2006/customXml" ds:itemID="{EBE32A6D-AA86-4C80-BCEB-98D95E2D57B6}">
   <ds:schemaRefs>
-    <ds:schemaRef ds:uri="http://schemas.microsoft.com/sharepoint/v3/contenttype/forms"/>
+    <ds:schemaRef ds:uri="http://purl.org/dc/terms/"/>
+    <ds:schemaRef ds:uri="http://schemas.openxmlformats.org/package/2006/metadata/core-properties"/>
+    <ds:schemaRef ds:uri="http://schemas.microsoft.com/office/2006/documentManagement/types"/>
+    <ds:schemaRef ds:uri="http://schemas.microsoft.com/office/infopath/2007/PartnerControls"/>
+    <ds:schemaRef ds:uri="http://purl.org/dc/elements/1.1/"/>
+    <ds:schemaRef ds:uri="http://schemas.microsoft.com/office/2006/metadata/properties"/>
+    <ds:schemaRef ds:uri="a569edcc-d855-4e05-a4e6-408998576072"/>
+    <ds:schemaRef ds:uri="http://www.w3.org/XML/1998/namespace"/>
+    <ds:schemaRef ds:uri="http://purl.org/dc/dcmitype/"/>
   </ds:schemaRefs>
 </ds:datastoreItem>
 </file>
@@ -22226,17 +22338,9 @@
 </file>
 
 <file path=customXml/itemProps3.xml><?xml version="1.0" encoding="utf-8"?>
-<ds:datastoreItem xmlns:ds="http://schemas.openxmlformats.org/officeDocument/2006/customXml" ds:itemID="{EBE32A6D-AA86-4C80-BCEB-98D95E2D57B6}">
+<ds:datastoreItem xmlns:ds="http://schemas.openxmlformats.org/officeDocument/2006/customXml" ds:itemID="{C95FFCEC-4E62-42A1-B0E9-43C57BCD9CFD}">
   <ds:schemaRefs>
-    <ds:schemaRef ds:uri="http://purl.org/dc/terms/"/>
-    <ds:schemaRef ds:uri="http://schemas.openxmlformats.org/package/2006/metadata/core-properties"/>
-    <ds:schemaRef ds:uri="http://schemas.microsoft.com/office/2006/documentManagement/types"/>
-    <ds:schemaRef ds:uri="http://schemas.microsoft.com/office/infopath/2007/PartnerControls"/>
-    <ds:schemaRef ds:uri="http://purl.org/dc/elements/1.1/"/>
-    <ds:schemaRef ds:uri="http://schemas.microsoft.com/office/2006/metadata/properties"/>
-    <ds:schemaRef ds:uri="a569edcc-d855-4e05-a4e6-408998576072"/>
-    <ds:schemaRef ds:uri="http://www.w3.org/XML/1998/namespace"/>
-    <ds:schemaRef ds:uri="http://purl.org/dc/dcmitype/"/>
+    <ds:schemaRef ds:uri="http://schemas.microsoft.com/sharepoint/v3/contenttype/forms"/>
   </ds:schemaRefs>
 </ds:datastoreItem>
 </file>